--- a/ppt 16-9/0348.耶稣我们唯一.pptx
+++ b/ppt 16-9/0348.耶稣我们唯一.pptx
@@ -5,7 +5,7 @@
     <p:sldMasterId id="2147483648" r:id="rId1"/>
   </p:sldMasterIdLst>
   <p:sldIdLst>
-    <p:sldId id="3251" r:id="rId2"/>
+    <p:sldId id="3252" r:id="rId2"/>
   </p:sldIdLst>
   <p:sldSz cx="12192000" cy="6858000"/>
   <p:notesSz cx="6858000" cy="9144000"/>
@@ -129,7 +129,7 @@
           <p:cNvPr id="2" name="标题 1">
             <a:extLst>
               <a:ext uri="{FF2B5EF4-FFF2-40B4-BE49-F238E27FC236}">
-                <a16:creationId xmlns:a16="http://schemas.microsoft.com/office/drawing/2014/main" id="{BD3C2FD1-58BE-7C83-6C68-14D21143D2FF}"/>
+                <a16:creationId xmlns:a16="http://schemas.microsoft.com/office/drawing/2014/main" id="{ADD75910-5856-2E55-1AA8-30162D399AC3}"/>
               </a:ext>
             </a:extLst>
           </p:cNvPr>
@@ -166,7 +166,7 @@
           <p:cNvPr id="3" name="副标题 2">
             <a:extLst>
               <a:ext uri="{FF2B5EF4-FFF2-40B4-BE49-F238E27FC236}">
-                <a16:creationId xmlns:a16="http://schemas.microsoft.com/office/drawing/2014/main" id="{2061DFC9-C381-FA28-4D84-9EA3CD0ECC4F}"/>
+                <a16:creationId xmlns:a16="http://schemas.microsoft.com/office/drawing/2014/main" id="{DAF93CB7-A8A7-9A6F-87E8-74A349098BCC}"/>
               </a:ext>
             </a:extLst>
           </p:cNvPr>
@@ -236,7 +236,7 @@
           <p:cNvPr id="4" name="日期占位符 3">
             <a:extLst>
               <a:ext uri="{FF2B5EF4-FFF2-40B4-BE49-F238E27FC236}">
-                <a16:creationId xmlns:a16="http://schemas.microsoft.com/office/drawing/2014/main" id="{38956336-FB13-E173-00AA-026E40EF4430}"/>
+                <a16:creationId xmlns:a16="http://schemas.microsoft.com/office/drawing/2014/main" id="{C490A4CE-0CB6-55E4-DFF8-5C16B176E923}"/>
               </a:ext>
             </a:extLst>
           </p:cNvPr>
@@ -252,7 +252,7 @@
           <a:bodyPr/>
           <a:lstStyle/>
           <a:p>
-            <a:fld id="{F9E74197-47F3-4E41-959E-7F97C0B34914}" type="datetimeFigureOut">
+            <a:fld id="{2EB0E42E-0283-4BAE-BBCB-4E823B38BC58}" type="datetimeFigureOut">
               <a:rPr lang="zh-CN" altLang="en-US" smtClean="0"/>
               <a:t>2024/3/10</a:t>
             </a:fld>
@@ -265,7 +265,7 @@
           <p:cNvPr id="5" name="页脚占位符 4">
             <a:extLst>
               <a:ext uri="{FF2B5EF4-FFF2-40B4-BE49-F238E27FC236}">
-                <a16:creationId xmlns:a16="http://schemas.microsoft.com/office/drawing/2014/main" id="{A8260D33-9F94-0EAC-A69F-4519EAD87E3A}"/>
+                <a16:creationId xmlns:a16="http://schemas.microsoft.com/office/drawing/2014/main" id="{E8698EE2-DBDF-884E-9500-9387E981034D}"/>
               </a:ext>
             </a:extLst>
           </p:cNvPr>
@@ -290,7 +290,7 @@
           <p:cNvPr id="6" name="灯片编号占位符 5">
             <a:extLst>
               <a:ext uri="{FF2B5EF4-FFF2-40B4-BE49-F238E27FC236}">
-                <a16:creationId xmlns:a16="http://schemas.microsoft.com/office/drawing/2014/main" id="{2A254E34-3B7B-33FF-E267-5A4BBFF11672}"/>
+                <a16:creationId xmlns:a16="http://schemas.microsoft.com/office/drawing/2014/main" id="{E7AFB94D-C69F-CECD-85AA-203BD454A84A}"/>
               </a:ext>
             </a:extLst>
           </p:cNvPr>
@@ -306,7 +306,7 @@
           <a:bodyPr/>
           <a:lstStyle/>
           <a:p>
-            <a:fld id="{E85299C4-9A3B-4995-8889-6B17DC4391DB}" type="slidenum">
+            <a:fld id="{9B0B0DDE-F891-4892-A762-558BD01CCBE0}" type="slidenum">
               <a:rPr lang="zh-CN" altLang="en-US" smtClean="0"/>
               <a:t>‹#›</a:t>
             </a:fld>
@@ -317,7 +317,7 @@
     </p:spTree>
     <p:extLst>
       <p:ext uri="{BB962C8B-B14F-4D97-AF65-F5344CB8AC3E}">
-        <p14:creationId xmlns:p14="http://schemas.microsoft.com/office/powerpoint/2010/main" val="278856085"/>
+        <p14:creationId xmlns:p14="http://schemas.microsoft.com/office/powerpoint/2010/main" val="246691440"/>
       </p:ext>
     </p:extLst>
   </p:cSld>
@@ -349,7 +349,7 @@
           <p:cNvPr id="2" name="标题 1">
             <a:extLst>
               <a:ext uri="{FF2B5EF4-FFF2-40B4-BE49-F238E27FC236}">
-                <a16:creationId xmlns:a16="http://schemas.microsoft.com/office/drawing/2014/main" id="{1C851CC0-C0E1-FBB3-1C20-D2E27D00F45C}"/>
+                <a16:creationId xmlns:a16="http://schemas.microsoft.com/office/drawing/2014/main" id="{3E496846-D1D5-FA8E-71DA-E092C01B859D}"/>
               </a:ext>
             </a:extLst>
           </p:cNvPr>
@@ -377,7 +377,7 @@
           <p:cNvPr id="3" name="竖排文字占位符 2">
             <a:extLst>
               <a:ext uri="{FF2B5EF4-FFF2-40B4-BE49-F238E27FC236}">
-                <a16:creationId xmlns:a16="http://schemas.microsoft.com/office/drawing/2014/main" id="{231C5216-1E41-EE32-67DF-EECA2464610C}"/>
+                <a16:creationId xmlns:a16="http://schemas.microsoft.com/office/drawing/2014/main" id="{C50EF870-F939-F99A-18CE-C2A507956000}"/>
               </a:ext>
             </a:extLst>
           </p:cNvPr>
@@ -434,7 +434,7 @@
           <p:cNvPr id="4" name="日期占位符 3">
             <a:extLst>
               <a:ext uri="{FF2B5EF4-FFF2-40B4-BE49-F238E27FC236}">
-                <a16:creationId xmlns:a16="http://schemas.microsoft.com/office/drawing/2014/main" id="{313E6C0E-A155-88C4-9E89-5A31D2512B0E}"/>
+                <a16:creationId xmlns:a16="http://schemas.microsoft.com/office/drawing/2014/main" id="{408E4439-8D51-9377-F136-FA560E02717D}"/>
               </a:ext>
             </a:extLst>
           </p:cNvPr>
@@ -450,7 +450,7 @@
           <a:bodyPr/>
           <a:lstStyle/>
           <a:p>
-            <a:fld id="{F9E74197-47F3-4E41-959E-7F97C0B34914}" type="datetimeFigureOut">
+            <a:fld id="{2EB0E42E-0283-4BAE-BBCB-4E823B38BC58}" type="datetimeFigureOut">
               <a:rPr lang="zh-CN" altLang="en-US" smtClean="0"/>
               <a:t>2024/3/10</a:t>
             </a:fld>
@@ -463,7 +463,7 @@
           <p:cNvPr id="5" name="页脚占位符 4">
             <a:extLst>
               <a:ext uri="{FF2B5EF4-FFF2-40B4-BE49-F238E27FC236}">
-                <a16:creationId xmlns:a16="http://schemas.microsoft.com/office/drawing/2014/main" id="{765FF5F6-1B9B-D9CD-84B1-089F06435BF3}"/>
+                <a16:creationId xmlns:a16="http://schemas.microsoft.com/office/drawing/2014/main" id="{3E2E37C2-7647-2503-8A02-C8FD205036AD}"/>
               </a:ext>
             </a:extLst>
           </p:cNvPr>
@@ -488,7 +488,7 @@
           <p:cNvPr id="6" name="灯片编号占位符 5">
             <a:extLst>
               <a:ext uri="{FF2B5EF4-FFF2-40B4-BE49-F238E27FC236}">
-                <a16:creationId xmlns:a16="http://schemas.microsoft.com/office/drawing/2014/main" id="{78F6893C-97CE-9FA1-2A5E-2C4F32B2F7F5}"/>
+                <a16:creationId xmlns:a16="http://schemas.microsoft.com/office/drawing/2014/main" id="{1E99E19D-5DEE-B860-8731-C687DE6F3EE0}"/>
               </a:ext>
             </a:extLst>
           </p:cNvPr>
@@ -504,7 +504,7 @@
           <a:bodyPr/>
           <a:lstStyle/>
           <a:p>
-            <a:fld id="{E85299C4-9A3B-4995-8889-6B17DC4391DB}" type="slidenum">
+            <a:fld id="{9B0B0DDE-F891-4892-A762-558BD01CCBE0}" type="slidenum">
               <a:rPr lang="zh-CN" altLang="en-US" smtClean="0"/>
               <a:t>‹#›</a:t>
             </a:fld>
@@ -515,7 +515,7 @@
     </p:spTree>
     <p:extLst>
       <p:ext uri="{BB962C8B-B14F-4D97-AF65-F5344CB8AC3E}">
-        <p14:creationId xmlns:p14="http://schemas.microsoft.com/office/powerpoint/2010/main" val="1392927623"/>
+        <p14:creationId xmlns:p14="http://schemas.microsoft.com/office/powerpoint/2010/main" val="3544535115"/>
       </p:ext>
     </p:extLst>
   </p:cSld>
@@ -547,7 +547,7 @@
           <p:cNvPr id="2" name="竖排标题 1">
             <a:extLst>
               <a:ext uri="{FF2B5EF4-FFF2-40B4-BE49-F238E27FC236}">
-                <a16:creationId xmlns:a16="http://schemas.microsoft.com/office/drawing/2014/main" id="{C684FD31-FFD6-1256-FE9A-08EFF43F3B35}"/>
+                <a16:creationId xmlns:a16="http://schemas.microsoft.com/office/drawing/2014/main" id="{264E9691-9E11-97B8-37D5-FEB92FA361DF}"/>
               </a:ext>
             </a:extLst>
           </p:cNvPr>
@@ -580,7 +580,7 @@
           <p:cNvPr id="3" name="竖排文字占位符 2">
             <a:extLst>
               <a:ext uri="{FF2B5EF4-FFF2-40B4-BE49-F238E27FC236}">
-                <a16:creationId xmlns:a16="http://schemas.microsoft.com/office/drawing/2014/main" id="{70DDF204-0A67-27CA-556C-8963CFD8FAFA}"/>
+                <a16:creationId xmlns:a16="http://schemas.microsoft.com/office/drawing/2014/main" id="{73CBE24B-6479-241C-47FD-31A956E34F36}"/>
               </a:ext>
             </a:extLst>
           </p:cNvPr>
@@ -642,7 +642,7 @@
           <p:cNvPr id="4" name="日期占位符 3">
             <a:extLst>
               <a:ext uri="{FF2B5EF4-FFF2-40B4-BE49-F238E27FC236}">
-                <a16:creationId xmlns:a16="http://schemas.microsoft.com/office/drawing/2014/main" id="{7ECBF6BC-33B2-854E-4165-F6B111EEFBB3}"/>
+                <a16:creationId xmlns:a16="http://schemas.microsoft.com/office/drawing/2014/main" id="{00D998BD-0B59-408E-78FE-B7254533D91F}"/>
               </a:ext>
             </a:extLst>
           </p:cNvPr>
@@ -658,7 +658,7 @@
           <a:bodyPr/>
           <a:lstStyle/>
           <a:p>
-            <a:fld id="{F9E74197-47F3-4E41-959E-7F97C0B34914}" type="datetimeFigureOut">
+            <a:fld id="{2EB0E42E-0283-4BAE-BBCB-4E823B38BC58}" type="datetimeFigureOut">
               <a:rPr lang="zh-CN" altLang="en-US" smtClean="0"/>
               <a:t>2024/3/10</a:t>
             </a:fld>
@@ -671,7 +671,7 @@
           <p:cNvPr id="5" name="页脚占位符 4">
             <a:extLst>
               <a:ext uri="{FF2B5EF4-FFF2-40B4-BE49-F238E27FC236}">
-                <a16:creationId xmlns:a16="http://schemas.microsoft.com/office/drawing/2014/main" id="{A107F09A-F728-F2FB-63B6-9B77ADB12683}"/>
+                <a16:creationId xmlns:a16="http://schemas.microsoft.com/office/drawing/2014/main" id="{E8999BAC-6BCA-FB4B-8EA6-133159BFECD1}"/>
               </a:ext>
             </a:extLst>
           </p:cNvPr>
@@ -696,7 +696,7 @@
           <p:cNvPr id="6" name="灯片编号占位符 5">
             <a:extLst>
               <a:ext uri="{FF2B5EF4-FFF2-40B4-BE49-F238E27FC236}">
-                <a16:creationId xmlns:a16="http://schemas.microsoft.com/office/drawing/2014/main" id="{CD1DB250-9A67-164B-B684-B90793EE4B5F}"/>
+                <a16:creationId xmlns:a16="http://schemas.microsoft.com/office/drawing/2014/main" id="{9D4D6B45-AFB9-9229-FDF3-BF89B510C20B}"/>
               </a:ext>
             </a:extLst>
           </p:cNvPr>
@@ -712,7 +712,7 @@
           <a:bodyPr/>
           <a:lstStyle/>
           <a:p>
-            <a:fld id="{E85299C4-9A3B-4995-8889-6B17DC4391DB}" type="slidenum">
+            <a:fld id="{9B0B0DDE-F891-4892-A762-558BD01CCBE0}" type="slidenum">
               <a:rPr lang="zh-CN" altLang="en-US" smtClean="0"/>
               <a:t>‹#›</a:t>
             </a:fld>
@@ -723,7 +723,7 @@
     </p:spTree>
     <p:extLst>
       <p:ext uri="{BB962C8B-B14F-4D97-AF65-F5344CB8AC3E}">
-        <p14:creationId xmlns:p14="http://schemas.microsoft.com/office/powerpoint/2010/main" val="3699188113"/>
+        <p14:creationId xmlns:p14="http://schemas.microsoft.com/office/powerpoint/2010/main" val="3381830005"/>
       </p:ext>
     </p:extLst>
   </p:cSld>
@@ -755,7 +755,7 @@
           <p:cNvPr id="2" name="标题 1">
             <a:extLst>
               <a:ext uri="{FF2B5EF4-FFF2-40B4-BE49-F238E27FC236}">
-                <a16:creationId xmlns:a16="http://schemas.microsoft.com/office/drawing/2014/main" id="{D2E569DA-B595-07E7-D84E-767A3213E4AF}"/>
+                <a16:creationId xmlns:a16="http://schemas.microsoft.com/office/drawing/2014/main" id="{3EDEF980-5E8D-E1A7-1863-5E16183B8036}"/>
               </a:ext>
             </a:extLst>
           </p:cNvPr>
@@ -783,7 +783,7 @@
           <p:cNvPr id="3" name="内容占位符 2">
             <a:extLst>
               <a:ext uri="{FF2B5EF4-FFF2-40B4-BE49-F238E27FC236}">
-                <a16:creationId xmlns:a16="http://schemas.microsoft.com/office/drawing/2014/main" id="{5C248A44-4468-0A9C-CAB5-EC8FB9489FDB}"/>
+                <a16:creationId xmlns:a16="http://schemas.microsoft.com/office/drawing/2014/main" id="{A31147C5-3477-C8EE-1E73-0A5089FDF890}"/>
               </a:ext>
             </a:extLst>
           </p:cNvPr>
@@ -840,7 +840,7 @@
           <p:cNvPr id="4" name="日期占位符 3">
             <a:extLst>
               <a:ext uri="{FF2B5EF4-FFF2-40B4-BE49-F238E27FC236}">
-                <a16:creationId xmlns:a16="http://schemas.microsoft.com/office/drawing/2014/main" id="{8E906556-BCB0-BA4D-66D2-CA0A205C31BC}"/>
+                <a16:creationId xmlns:a16="http://schemas.microsoft.com/office/drawing/2014/main" id="{D9684461-23E8-A113-8EA1-54C7F3965899}"/>
               </a:ext>
             </a:extLst>
           </p:cNvPr>
@@ -856,7 +856,7 @@
           <a:bodyPr/>
           <a:lstStyle/>
           <a:p>
-            <a:fld id="{F9E74197-47F3-4E41-959E-7F97C0B34914}" type="datetimeFigureOut">
+            <a:fld id="{2EB0E42E-0283-4BAE-BBCB-4E823B38BC58}" type="datetimeFigureOut">
               <a:rPr lang="zh-CN" altLang="en-US" smtClean="0"/>
               <a:t>2024/3/10</a:t>
             </a:fld>
@@ -869,7 +869,7 @@
           <p:cNvPr id="5" name="页脚占位符 4">
             <a:extLst>
               <a:ext uri="{FF2B5EF4-FFF2-40B4-BE49-F238E27FC236}">
-                <a16:creationId xmlns:a16="http://schemas.microsoft.com/office/drawing/2014/main" id="{CB914C59-1368-1652-1E74-ADCDDD527090}"/>
+                <a16:creationId xmlns:a16="http://schemas.microsoft.com/office/drawing/2014/main" id="{F805EDDF-C853-23B4-5C10-2D03027D08E9}"/>
               </a:ext>
             </a:extLst>
           </p:cNvPr>
@@ -894,7 +894,7 @@
           <p:cNvPr id="6" name="灯片编号占位符 5">
             <a:extLst>
               <a:ext uri="{FF2B5EF4-FFF2-40B4-BE49-F238E27FC236}">
-                <a16:creationId xmlns:a16="http://schemas.microsoft.com/office/drawing/2014/main" id="{5018FD5B-CC63-D76D-E94D-1282F7512A1B}"/>
+                <a16:creationId xmlns:a16="http://schemas.microsoft.com/office/drawing/2014/main" id="{E562F9D1-C00E-9184-88CD-F415281D1A9C}"/>
               </a:ext>
             </a:extLst>
           </p:cNvPr>
@@ -910,7 +910,7 @@
           <a:bodyPr/>
           <a:lstStyle/>
           <a:p>
-            <a:fld id="{E85299C4-9A3B-4995-8889-6B17DC4391DB}" type="slidenum">
+            <a:fld id="{9B0B0DDE-F891-4892-A762-558BD01CCBE0}" type="slidenum">
               <a:rPr lang="zh-CN" altLang="en-US" smtClean="0"/>
               <a:t>‹#›</a:t>
             </a:fld>
@@ -921,7 +921,7 @@
     </p:spTree>
     <p:extLst>
       <p:ext uri="{BB962C8B-B14F-4D97-AF65-F5344CB8AC3E}">
-        <p14:creationId xmlns:p14="http://schemas.microsoft.com/office/powerpoint/2010/main" val="4002114482"/>
+        <p14:creationId xmlns:p14="http://schemas.microsoft.com/office/powerpoint/2010/main" val="939966203"/>
       </p:ext>
     </p:extLst>
   </p:cSld>
@@ -953,7 +953,7 @@
           <p:cNvPr id="2" name="标题 1">
             <a:extLst>
               <a:ext uri="{FF2B5EF4-FFF2-40B4-BE49-F238E27FC236}">
-                <a16:creationId xmlns:a16="http://schemas.microsoft.com/office/drawing/2014/main" id="{8D6CD4E9-F6D8-6FE1-0364-53CBE5FF4521}"/>
+                <a16:creationId xmlns:a16="http://schemas.microsoft.com/office/drawing/2014/main" id="{A7D81A6F-E738-A52B-F18D-388336C2636A}"/>
               </a:ext>
             </a:extLst>
           </p:cNvPr>
@@ -990,7 +990,7 @@
           <p:cNvPr id="3" name="文本占位符 2">
             <a:extLst>
               <a:ext uri="{FF2B5EF4-FFF2-40B4-BE49-F238E27FC236}">
-                <a16:creationId xmlns:a16="http://schemas.microsoft.com/office/drawing/2014/main" id="{075AC96B-13A1-0E72-4C5A-AF6205505A1D}"/>
+                <a16:creationId xmlns:a16="http://schemas.microsoft.com/office/drawing/2014/main" id="{074FE10C-B929-C332-C186-E4A6EB669DEC}"/>
               </a:ext>
             </a:extLst>
           </p:cNvPr>
@@ -1115,7 +1115,7 @@
           <p:cNvPr id="4" name="日期占位符 3">
             <a:extLst>
               <a:ext uri="{FF2B5EF4-FFF2-40B4-BE49-F238E27FC236}">
-                <a16:creationId xmlns:a16="http://schemas.microsoft.com/office/drawing/2014/main" id="{1B69F490-B06E-EE3C-4C6E-6D24C9C3021E}"/>
+                <a16:creationId xmlns:a16="http://schemas.microsoft.com/office/drawing/2014/main" id="{B2A4BC49-1CDE-DC39-BE52-8A551157B172}"/>
               </a:ext>
             </a:extLst>
           </p:cNvPr>
@@ -1131,7 +1131,7 @@
           <a:bodyPr/>
           <a:lstStyle/>
           <a:p>
-            <a:fld id="{F9E74197-47F3-4E41-959E-7F97C0B34914}" type="datetimeFigureOut">
+            <a:fld id="{2EB0E42E-0283-4BAE-BBCB-4E823B38BC58}" type="datetimeFigureOut">
               <a:rPr lang="zh-CN" altLang="en-US" smtClean="0"/>
               <a:t>2024/3/10</a:t>
             </a:fld>
@@ -1144,7 +1144,7 @@
           <p:cNvPr id="5" name="页脚占位符 4">
             <a:extLst>
               <a:ext uri="{FF2B5EF4-FFF2-40B4-BE49-F238E27FC236}">
-                <a16:creationId xmlns:a16="http://schemas.microsoft.com/office/drawing/2014/main" id="{E5C913E3-2467-2FE3-D7F9-C1CAC84A65F7}"/>
+                <a16:creationId xmlns:a16="http://schemas.microsoft.com/office/drawing/2014/main" id="{E5BED394-9B24-BCF6-39C6-A1EC1FCA317C}"/>
               </a:ext>
             </a:extLst>
           </p:cNvPr>
@@ -1169,7 +1169,7 @@
           <p:cNvPr id="6" name="灯片编号占位符 5">
             <a:extLst>
               <a:ext uri="{FF2B5EF4-FFF2-40B4-BE49-F238E27FC236}">
-                <a16:creationId xmlns:a16="http://schemas.microsoft.com/office/drawing/2014/main" id="{3F8DE949-400C-E817-A5D9-B5702AD7BEDB}"/>
+                <a16:creationId xmlns:a16="http://schemas.microsoft.com/office/drawing/2014/main" id="{4D1FCCB2-3CB5-5936-FBB6-DC690CB47C6A}"/>
               </a:ext>
             </a:extLst>
           </p:cNvPr>
@@ -1185,7 +1185,7 @@
           <a:bodyPr/>
           <a:lstStyle/>
           <a:p>
-            <a:fld id="{E85299C4-9A3B-4995-8889-6B17DC4391DB}" type="slidenum">
+            <a:fld id="{9B0B0DDE-F891-4892-A762-558BD01CCBE0}" type="slidenum">
               <a:rPr lang="zh-CN" altLang="en-US" smtClean="0"/>
               <a:t>‹#›</a:t>
             </a:fld>
@@ -1196,7 +1196,7 @@
     </p:spTree>
     <p:extLst>
       <p:ext uri="{BB962C8B-B14F-4D97-AF65-F5344CB8AC3E}">
-        <p14:creationId xmlns:p14="http://schemas.microsoft.com/office/powerpoint/2010/main" val="957945251"/>
+        <p14:creationId xmlns:p14="http://schemas.microsoft.com/office/powerpoint/2010/main" val="2605676080"/>
       </p:ext>
     </p:extLst>
   </p:cSld>
@@ -1228,7 +1228,7 @@
           <p:cNvPr id="2" name="标题 1">
             <a:extLst>
               <a:ext uri="{FF2B5EF4-FFF2-40B4-BE49-F238E27FC236}">
-                <a16:creationId xmlns:a16="http://schemas.microsoft.com/office/drawing/2014/main" id="{0780AF16-F4E1-B314-EC32-39A65EE6C385}"/>
+                <a16:creationId xmlns:a16="http://schemas.microsoft.com/office/drawing/2014/main" id="{6140039F-5B05-B508-F38E-94443B55D7CA}"/>
               </a:ext>
             </a:extLst>
           </p:cNvPr>
@@ -1256,7 +1256,7 @@
           <p:cNvPr id="3" name="内容占位符 2">
             <a:extLst>
               <a:ext uri="{FF2B5EF4-FFF2-40B4-BE49-F238E27FC236}">
-                <a16:creationId xmlns:a16="http://schemas.microsoft.com/office/drawing/2014/main" id="{A3173A21-FD6E-248E-D246-56AECF423B7D}"/>
+                <a16:creationId xmlns:a16="http://schemas.microsoft.com/office/drawing/2014/main" id="{5875F89C-BA26-1BEA-3C84-DCEC8468B900}"/>
               </a:ext>
             </a:extLst>
           </p:cNvPr>
@@ -1318,7 +1318,7 @@
           <p:cNvPr id="4" name="内容占位符 3">
             <a:extLst>
               <a:ext uri="{FF2B5EF4-FFF2-40B4-BE49-F238E27FC236}">
-                <a16:creationId xmlns:a16="http://schemas.microsoft.com/office/drawing/2014/main" id="{088A7025-D6B0-296C-07C4-CBCDB7A46322}"/>
+                <a16:creationId xmlns:a16="http://schemas.microsoft.com/office/drawing/2014/main" id="{DB492D61-FA2A-555D-47BF-E67737BDF078}"/>
               </a:ext>
             </a:extLst>
           </p:cNvPr>
@@ -1380,7 +1380,7 @@
           <p:cNvPr id="5" name="日期占位符 4">
             <a:extLst>
               <a:ext uri="{FF2B5EF4-FFF2-40B4-BE49-F238E27FC236}">
-                <a16:creationId xmlns:a16="http://schemas.microsoft.com/office/drawing/2014/main" id="{A72DEEE0-4749-5E92-ECCA-D1D17158A4D6}"/>
+                <a16:creationId xmlns:a16="http://schemas.microsoft.com/office/drawing/2014/main" id="{82CCE20F-9937-CDBA-2D83-09A206AF44E0}"/>
               </a:ext>
             </a:extLst>
           </p:cNvPr>
@@ -1396,7 +1396,7 @@
           <a:bodyPr/>
           <a:lstStyle/>
           <a:p>
-            <a:fld id="{F9E74197-47F3-4E41-959E-7F97C0B34914}" type="datetimeFigureOut">
+            <a:fld id="{2EB0E42E-0283-4BAE-BBCB-4E823B38BC58}" type="datetimeFigureOut">
               <a:rPr lang="zh-CN" altLang="en-US" smtClean="0"/>
               <a:t>2024/3/10</a:t>
             </a:fld>
@@ -1409,7 +1409,7 @@
           <p:cNvPr id="6" name="页脚占位符 5">
             <a:extLst>
               <a:ext uri="{FF2B5EF4-FFF2-40B4-BE49-F238E27FC236}">
-                <a16:creationId xmlns:a16="http://schemas.microsoft.com/office/drawing/2014/main" id="{A46C7AE6-2EB9-EA8A-E320-BABC8184E662}"/>
+                <a16:creationId xmlns:a16="http://schemas.microsoft.com/office/drawing/2014/main" id="{EF96A684-54AA-1DE5-B7F1-71CB979C4241}"/>
               </a:ext>
             </a:extLst>
           </p:cNvPr>
@@ -1434,7 +1434,7 @@
           <p:cNvPr id="7" name="灯片编号占位符 6">
             <a:extLst>
               <a:ext uri="{FF2B5EF4-FFF2-40B4-BE49-F238E27FC236}">
-                <a16:creationId xmlns:a16="http://schemas.microsoft.com/office/drawing/2014/main" id="{2BD95F44-6DE5-A2A3-AD6B-86DBEF130DB8}"/>
+                <a16:creationId xmlns:a16="http://schemas.microsoft.com/office/drawing/2014/main" id="{8F9C86CE-A84D-6D4E-765A-45A270A950A1}"/>
               </a:ext>
             </a:extLst>
           </p:cNvPr>
@@ -1450,7 +1450,7 @@
           <a:bodyPr/>
           <a:lstStyle/>
           <a:p>
-            <a:fld id="{E85299C4-9A3B-4995-8889-6B17DC4391DB}" type="slidenum">
+            <a:fld id="{9B0B0DDE-F891-4892-A762-558BD01CCBE0}" type="slidenum">
               <a:rPr lang="zh-CN" altLang="en-US" smtClean="0"/>
               <a:t>‹#›</a:t>
             </a:fld>
@@ -1461,7 +1461,7 @@
     </p:spTree>
     <p:extLst>
       <p:ext uri="{BB962C8B-B14F-4D97-AF65-F5344CB8AC3E}">
-        <p14:creationId xmlns:p14="http://schemas.microsoft.com/office/powerpoint/2010/main" val="1086337393"/>
+        <p14:creationId xmlns:p14="http://schemas.microsoft.com/office/powerpoint/2010/main" val="3755607102"/>
       </p:ext>
     </p:extLst>
   </p:cSld>
@@ -1493,7 +1493,7 @@
           <p:cNvPr id="2" name="标题 1">
             <a:extLst>
               <a:ext uri="{FF2B5EF4-FFF2-40B4-BE49-F238E27FC236}">
-                <a16:creationId xmlns:a16="http://schemas.microsoft.com/office/drawing/2014/main" id="{EDFFCADC-E461-793F-6D1C-9C560287D01F}"/>
+                <a16:creationId xmlns:a16="http://schemas.microsoft.com/office/drawing/2014/main" id="{ABE31C31-BF23-8ABD-F9E0-13FE2A672FA9}"/>
               </a:ext>
             </a:extLst>
           </p:cNvPr>
@@ -1526,7 +1526,7 @@
           <p:cNvPr id="3" name="文本占位符 2">
             <a:extLst>
               <a:ext uri="{FF2B5EF4-FFF2-40B4-BE49-F238E27FC236}">
-                <a16:creationId xmlns:a16="http://schemas.microsoft.com/office/drawing/2014/main" id="{61D52333-3654-A33C-6121-C3B57B5C1A8E}"/>
+                <a16:creationId xmlns:a16="http://schemas.microsoft.com/office/drawing/2014/main" id="{7A30A78B-77FB-ED29-81A8-559FC708A9BC}"/>
               </a:ext>
             </a:extLst>
           </p:cNvPr>
@@ -1597,7 +1597,7 @@
           <p:cNvPr id="4" name="内容占位符 3">
             <a:extLst>
               <a:ext uri="{FF2B5EF4-FFF2-40B4-BE49-F238E27FC236}">
-                <a16:creationId xmlns:a16="http://schemas.microsoft.com/office/drawing/2014/main" id="{DCB85B1F-DCF3-B02A-48B6-8DEDCE959FC9}"/>
+                <a16:creationId xmlns:a16="http://schemas.microsoft.com/office/drawing/2014/main" id="{5BAC48BD-8212-EACC-C473-6700E44FFAF8}"/>
               </a:ext>
             </a:extLst>
           </p:cNvPr>
@@ -1659,7 +1659,7 @@
           <p:cNvPr id="5" name="文本占位符 4">
             <a:extLst>
               <a:ext uri="{FF2B5EF4-FFF2-40B4-BE49-F238E27FC236}">
-                <a16:creationId xmlns:a16="http://schemas.microsoft.com/office/drawing/2014/main" id="{40646E9D-E12F-7970-BFA9-F9B1F700DA24}"/>
+                <a16:creationId xmlns:a16="http://schemas.microsoft.com/office/drawing/2014/main" id="{10439018-A420-783C-2E7F-7879E2A981B2}"/>
               </a:ext>
             </a:extLst>
           </p:cNvPr>
@@ -1730,7 +1730,7 @@
           <p:cNvPr id="6" name="内容占位符 5">
             <a:extLst>
               <a:ext uri="{FF2B5EF4-FFF2-40B4-BE49-F238E27FC236}">
-                <a16:creationId xmlns:a16="http://schemas.microsoft.com/office/drawing/2014/main" id="{5A88EE2F-FA9F-1DF6-8107-FEF0513B6525}"/>
+                <a16:creationId xmlns:a16="http://schemas.microsoft.com/office/drawing/2014/main" id="{450F4F3C-67B8-DB60-D775-3454493027A9}"/>
               </a:ext>
             </a:extLst>
           </p:cNvPr>
@@ -1792,7 +1792,7 @@
           <p:cNvPr id="7" name="日期占位符 6">
             <a:extLst>
               <a:ext uri="{FF2B5EF4-FFF2-40B4-BE49-F238E27FC236}">
-                <a16:creationId xmlns:a16="http://schemas.microsoft.com/office/drawing/2014/main" id="{50C73A31-3312-97FA-A6B1-3BC19B9B83F2}"/>
+                <a16:creationId xmlns:a16="http://schemas.microsoft.com/office/drawing/2014/main" id="{5C1EED93-EF60-D2E4-0B1E-A03FA2F71E15}"/>
               </a:ext>
             </a:extLst>
           </p:cNvPr>
@@ -1808,7 +1808,7 @@
           <a:bodyPr/>
           <a:lstStyle/>
           <a:p>
-            <a:fld id="{F9E74197-47F3-4E41-959E-7F97C0B34914}" type="datetimeFigureOut">
+            <a:fld id="{2EB0E42E-0283-4BAE-BBCB-4E823B38BC58}" type="datetimeFigureOut">
               <a:rPr lang="zh-CN" altLang="en-US" smtClean="0"/>
               <a:t>2024/3/10</a:t>
             </a:fld>
@@ -1821,7 +1821,7 @@
           <p:cNvPr id="8" name="页脚占位符 7">
             <a:extLst>
               <a:ext uri="{FF2B5EF4-FFF2-40B4-BE49-F238E27FC236}">
-                <a16:creationId xmlns:a16="http://schemas.microsoft.com/office/drawing/2014/main" id="{22C61DBA-35A1-37B4-8904-7CD4DD95CD70}"/>
+                <a16:creationId xmlns:a16="http://schemas.microsoft.com/office/drawing/2014/main" id="{774F2400-F27F-94A2-A9B5-03A28982536B}"/>
               </a:ext>
             </a:extLst>
           </p:cNvPr>
@@ -1846,7 +1846,7 @@
           <p:cNvPr id="9" name="灯片编号占位符 8">
             <a:extLst>
               <a:ext uri="{FF2B5EF4-FFF2-40B4-BE49-F238E27FC236}">
-                <a16:creationId xmlns:a16="http://schemas.microsoft.com/office/drawing/2014/main" id="{A5376AB0-5883-FFAE-6F6D-2FF5D4299970}"/>
+                <a16:creationId xmlns:a16="http://schemas.microsoft.com/office/drawing/2014/main" id="{41D62106-7536-A600-5966-B932F7B18CBF}"/>
               </a:ext>
             </a:extLst>
           </p:cNvPr>
@@ -1862,7 +1862,7 @@
           <a:bodyPr/>
           <a:lstStyle/>
           <a:p>
-            <a:fld id="{E85299C4-9A3B-4995-8889-6B17DC4391DB}" type="slidenum">
+            <a:fld id="{9B0B0DDE-F891-4892-A762-558BD01CCBE0}" type="slidenum">
               <a:rPr lang="zh-CN" altLang="en-US" smtClean="0"/>
               <a:t>‹#›</a:t>
             </a:fld>
@@ -1873,7 +1873,7 @@
     </p:spTree>
     <p:extLst>
       <p:ext uri="{BB962C8B-B14F-4D97-AF65-F5344CB8AC3E}">
-        <p14:creationId xmlns:p14="http://schemas.microsoft.com/office/powerpoint/2010/main" val="1505595230"/>
+        <p14:creationId xmlns:p14="http://schemas.microsoft.com/office/powerpoint/2010/main" val="1380587306"/>
       </p:ext>
     </p:extLst>
   </p:cSld>
@@ -1905,7 +1905,7 @@
           <p:cNvPr id="2" name="标题 1">
             <a:extLst>
               <a:ext uri="{FF2B5EF4-FFF2-40B4-BE49-F238E27FC236}">
-                <a16:creationId xmlns:a16="http://schemas.microsoft.com/office/drawing/2014/main" id="{D539D945-F694-0C66-7EC9-DEBE0B1C6A77}"/>
+                <a16:creationId xmlns:a16="http://schemas.microsoft.com/office/drawing/2014/main" id="{1C0FC8CF-B777-18E5-B8CE-CF6ECB5FEA0B}"/>
               </a:ext>
             </a:extLst>
           </p:cNvPr>
@@ -1933,7 +1933,7 @@
           <p:cNvPr id="3" name="日期占位符 2">
             <a:extLst>
               <a:ext uri="{FF2B5EF4-FFF2-40B4-BE49-F238E27FC236}">
-                <a16:creationId xmlns:a16="http://schemas.microsoft.com/office/drawing/2014/main" id="{E7FDA26D-C4BD-B30E-2174-CE48A0AE8E27}"/>
+                <a16:creationId xmlns:a16="http://schemas.microsoft.com/office/drawing/2014/main" id="{090D2203-7DA9-932B-AE26-94A423DFCF11}"/>
               </a:ext>
             </a:extLst>
           </p:cNvPr>
@@ -1949,7 +1949,7 @@
           <a:bodyPr/>
           <a:lstStyle/>
           <a:p>
-            <a:fld id="{F9E74197-47F3-4E41-959E-7F97C0B34914}" type="datetimeFigureOut">
+            <a:fld id="{2EB0E42E-0283-4BAE-BBCB-4E823B38BC58}" type="datetimeFigureOut">
               <a:rPr lang="zh-CN" altLang="en-US" smtClean="0"/>
               <a:t>2024/3/10</a:t>
             </a:fld>
@@ -1962,7 +1962,7 @@
           <p:cNvPr id="4" name="页脚占位符 3">
             <a:extLst>
               <a:ext uri="{FF2B5EF4-FFF2-40B4-BE49-F238E27FC236}">
-                <a16:creationId xmlns:a16="http://schemas.microsoft.com/office/drawing/2014/main" id="{4ABBFA4B-3B69-B4A6-B46F-6E94046D2008}"/>
+                <a16:creationId xmlns:a16="http://schemas.microsoft.com/office/drawing/2014/main" id="{481053C4-C975-3F61-1B0C-17475C2CA06C}"/>
               </a:ext>
             </a:extLst>
           </p:cNvPr>
@@ -1987,7 +1987,7 @@
           <p:cNvPr id="5" name="灯片编号占位符 4">
             <a:extLst>
               <a:ext uri="{FF2B5EF4-FFF2-40B4-BE49-F238E27FC236}">
-                <a16:creationId xmlns:a16="http://schemas.microsoft.com/office/drawing/2014/main" id="{D5A6329E-B331-693F-0CBE-22CD10112C11}"/>
+                <a16:creationId xmlns:a16="http://schemas.microsoft.com/office/drawing/2014/main" id="{A8E8B3F8-850D-592F-DC48-D901374EF894}"/>
               </a:ext>
             </a:extLst>
           </p:cNvPr>
@@ -2003,7 +2003,7 @@
           <a:bodyPr/>
           <a:lstStyle/>
           <a:p>
-            <a:fld id="{E85299C4-9A3B-4995-8889-6B17DC4391DB}" type="slidenum">
+            <a:fld id="{9B0B0DDE-F891-4892-A762-558BD01CCBE0}" type="slidenum">
               <a:rPr lang="zh-CN" altLang="en-US" smtClean="0"/>
               <a:t>‹#›</a:t>
             </a:fld>
@@ -2014,7 +2014,7 @@
     </p:spTree>
     <p:extLst>
       <p:ext uri="{BB962C8B-B14F-4D97-AF65-F5344CB8AC3E}">
-        <p14:creationId xmlns:p14="http://schemas.microsoft.com/office/powerpoint/2010/main" val="730584941"/>
+        <p14:creationId xmlns:p14="http://schemas.microsoft.com/office/powerpoint/2010/main" val="2308005646"/>
       </p:ext>
     </p:extLst>
   </p:cSld>
@@ -2046,7 +2046,7 @@
           <p:cNvPr id="2" name="日期占位符 1">
             <a:extLst>
               <a:ext uri="{FF2B5EF4-FFF2-40B4-BE49-F238E27FC236}">
-                <a16:creationId xmlns:a16="http://schemas.microsoft.com/office/drawing/2014/main" id="{ADA84EBC-548B-6AEC-F1D2-1653BCA0EEC6}"/>
+                <a16:creationId xmlns:a16="http://schemas.microsoft.com/office/drawing/2014/main" id="{D3E24B3E-39ED-43EA-CABD-A37FDFEFA2D4}"/>
               </a:ext>
             </a:extLst>
           </p:cNvPr>
@@ -2062,7 +2062,7 @@
           <a:bodyPr/>
           <a:lstStyle/>
           <a:p>
-            <a:fld id="{F9E74197-47F3-4E41-959E-7F97C0B34914}" type="datetimeFigureOut">
+            <a:fld id="{2EB0E42E-0283-4BAE-BBCB-4E823B38BC58}" type="datetimeFigureOut">
               <a:rPr lang="zh-CN" altLang="en-US" smtClean="0"/>
               <a:t>2024/3/10</a:t>
             </a:fld>
@@ -2075,7 +2075,7 @@
           <p:cNvPr id="3" name="页脚占位符 2">
             <a:extLst>
               <a:ext uri="{FF2B5EF4-FFF2-40B4-BE49-F238E27FC236}">
-                <a16:creationId xmlns:a16="http://schemas.microsoft.com/office/drawing/2014/main" id="{6124E1A8-6F46-29C8-199B-16E3CC8800E2}"/>
+                <a16:creationId xmlns:a16="http://schemas.microsoft.com/office/drawing/2014/main" id="{7D569B66-B1C3-EC1F-6CDF-EB852A8F47F5}"/>
               </a:ext>
             </a:extLst>
           </p:cNvPr>
@@ -2100,7 +2100,7 @@
           <p:cNvPr id="4" name="灯片编号占位符 3">
             <a:extLst>
               <a:ext uri="{FF2B5EF4-FFF2-40B4-BE49-F238E27FC236}">
-                <a16:creationId xmlns:a16="http://schemas.microsoft.com/office/drawing/2014/main" id="{E1D678ED-265B-C9D9-7A25-B9FB15392954}"/>
+                <a16:creationId xmlns:a16="http://schemas.microsoft.com/office/drawing/2014/main" id="{B54559BB-049C-117A-BCFF-385472012D60}"/>
               </a:ext>
             </a:extLst>
           </p:cNvPr>
@@ -2116,7 +2116,7 @@
           <a:bodyPr/>
           <a:lstStyle/>
           <a:p>
-            <a:fld id="{E85299C4-9A3B-4995-8889-6B17DC4391DB}" type="slidenum">
+            <a:fld id="{9B0B0DDE-F891-4892-A762-558BD01CCBE0}" type="slidenum">
               <a:rPr lang="zh-CN" altLang="en-US" smtClean="0"/>
               <a:t>‹#›</a:t>
             </a:fld>
@@ -2127,7 +2127,7 @@
     </p:spTree>
     <p:extLst>
       <p:ext uri="{BB962C8B-B14F-4D97-AF65-F5344CB8AC3E}">
-        <p14:creationId xmlns:p14="http://schemas.microsoft.com/office/powerpoint/2010/main" val="453926904"/>
+        <p14:creationId xmlns:p14="http://schemas.microsoft.com/office/powerpoint/2010/main" val="3798109544"/>
       </p:ext>
     </p:extLst>
   </p:cSld>
@@ -2159,7 +2159,7 @@
           <p:cNvPr id="2" name="标题 1">
             <a:extLst>
               <a:ext uri="{FF2B5EF4-FFF2-40B4-BE49-F238E27FC236}">
-                <a16:creationId xmlns:a16="http://schemas.microsoft.com/office/drawing/2014/main" id="{8A26F1EB-360E-B580-29AB-8548BD7DC0DB}"/>
+                <a16:creationId xmlns:a16="http://schemas.microsoft.com/office/drawing/2014/main" id="{FF6D71D9-15C1-E695-2F61-D155AFA93716}"/>
               </a:ext>
             </a:extLst>
           </p:cNvPr>
@@ -2196,7 +2196,7 @@
           <p:cNvPr id="3" name="内容占位符 2">
             <a:extLst>
               <a:ext uri="{FF2B5EF4-FFF2-40B4-BE49-F238E27FC236}">
-                <a16:creationId xmlns:a16="http://schemas.microsoft.com/office/drawing/2014/main" id="{594B07D4-D1F4-0569-207B-D963FDEA9A7F}"/>
+                <a16:creationId xmlns:a16="http://schemas.microsoft.com/office/drawing/2014/main" id="{5832AD8F-C615-67F2-D64E-24F8D3546761}"/>
               </a:ext>
             </a:extLst>
           </p:cNvPr>
@@ -2286,7 +2286,7 @@
           <p:cNvPr id="4" name="文本占位符 3">
             <a:extLst>
               <a:ext uri="{FF2B5EF4-FFF2-40B4-BE49-F238E27FC236}">
-                <a16:creationId xmlns:a16="http://schemas.microsoft.com/office/drawing/2014/main" id="{936F8D0D-6B7B-F29D-5AED-021C14B93A69}"/>
+                <a16:creationId xmlns:a16="http://schemas.microsoft.com/office/drawing/2014/main" id="{20FA5854-7A71-8CAD-0B53-81644C81509D}"/>
               </a:ext>
             </a:extLst>
           </p:cNvPr>
@@ -2357,7 +2357,7 @@
           <p:cNvPr id="5" name="日期占位符 4">
             <a:extLst>
               <a:ext uri="{FF2B5EF4-FFF2-40B4-BE49-F238E27FC236}">
-                <a16:creationId xmlns:a16="http://schemas.microsoft.com/office/drawing/2014/main" id="{E1F6588A-12ED-D735-345B-4844A2D89B7D}"/>
+                <a16:creationId xmlns:a16="http://schemas.microsoft.com/office/drawing/2014/main" id="{9183B054-3C6F-E288-129F-948BCF7854DD}"/>
               </a:ext>
             </a:extLst>
           </p:cNvPr>
@@ -2373,7 +2373,7 @@
           <a:bodyPr/>
           <a:lstStyle/>
           <a:p>
-            <a:fld id="{F9E74197-47F3-4E41-959E-7F97C0B34914}" type="datetimeFigureOut">
+            <a:fld id="{2EB0E42E-0283-4BAE-BBCB-4E823B38BC58}" type="datetimeFigureOut">
               <a:rPr lang="zh-CN" altLang="en-US" smtClean="0"/>
               <a:t>2024/3/10</a:t>
             </a:fld>
@@ -2386,7 +2386,7 @@
           <p:cNvPr id="6" name="页脚占位符 5">
             <a:extLst>
               <a:ext uri="{FF2B5EF4-FFF2-40B4-BE49-F238E27FC236}">
-                <a16:creationId xmlns:a16="http://schemas.microsoft.com/office/drawing/2014/main" id="{1B75DE8E-5913-506C-6F6A-0C3FF27601B0}"/>
+                <a16:creationId xmlns:a16="http://schemas.microsoft.com/office/drawing/2014/main" id="{9E901CB3-481D-953E-A817-37748518EF61}"/>
               </a:ext>
             </a:extLst>
           </p:cNvPr>
@@ -2411,7 +2411,7 @@
           <p:cNvPr id="7" name="灯片编号占位符 6">
             <a:extLst>
               <a:ext uri="{FF2B5EF4-FFF2-40B4-BE49-F238E27FC236}">
-                <a16:creationId xmlns:a16="http://schemas.microsoft.com/office/drawing/2014/main" id="{8180CCBE-FB02-E6AE-7BCC-B761A81080B4}"/>
+                <a16:creationId xmlns:a16="http://schemas.microsoft.com/office/drawing/2014/main" id="{D7F49292-8DB3-8A40-87CA-2EF360CBDA4C}"/>
               </a:ext>
             </a:extLst>
           </p:cNvPr>
@@ -2427,7 +2427,7 @@
           <a:bodyPr/>
           <a:lstStyle/>
           <a:p>
-            <a:fld id="{E85299C4-9A3B-4995-8889-6B17DC4391DB}" type="slidenum">
+            <a:fld id="{9B0B0DDE-F891-4892-A762-558BD01CCBE0}" type="slidenum">
               <a:rPr lang="zh-CN" altLang="en-US" smtClean="0"/>
               <a:t>‹#›</a:t>
             </a:fld>
@@ -2438,7 +2438,7 @@
     </p:spTree>
     <p:extLst>
       <p:ext uri="{BB962C8B-B14F-4D97-AF65-F5344CB8AC3E}">
-        <p14:creationId xmlns:p14="http://schemas.microsoft.com/office/powerpoint/2010/main" val="2715076011"/>
+        <p14:creationId xmlns:p14="http://schemas.microsoft.com/office/powerpoint/2010/main" val="598454676"/>
       </p:ext>
     </p:extLst>
   </p:cSld>
@@ -2470,7 +2470,7 @@
           <p:cNvPr id="2" name="标题 1">
             <a:extLst>
               <a:ext uri="{FF2B5EF4-FFF2-40B4-BE49-F238E27FC236}">
-                <a16:creationId xmlns:a16="http://schemas.microsoft.com/office/drawing/2014/main" id="{875405B2-2FC4-9431-6CA5-5F0DC38AB02E}"/>
+                <a16:creationId xmlns:a16="http://schemas.microsoft.com/office/drawing/2014/main" id="{869E3D52-763B-FB7E-D31B-532D5BC81FD0}"/>
               </a:ext>
             </a:extLst>
           </p:cNvPr>
@@ -2507,7 +2507,7 @@
           <p:cNvPr id="3" name="图片占位符 2">
             <a:extLst>
               <a:ext uri="{FF2B5EF4-FFF2-40B4-BE49-F238E27FC236}">
-                <a16:creationId xmlns:a16="http://schemas.microsoft.com/office/drawing/2014/main" id="{3F5FB13D-52B9-EADB-7A1C-0EC9C056F568}"/>
+                <a16:creationId xmlns:a16="http://schemas.microsoft.com/office/drawing/2014/main" id="{07AFCA73-5116-A066-6B97-FDA16EEBB32B}"/>
               </a:ext>
             </a:extLst>
           </p:cNvPr>
@@ -2574,7 +2574,7 @@
           <p:cNvPr id="4" name="文本占位符 3">
             <a:extLst>
               <a:ext uri="{FF2B5EF4-FFF2-40B4-BE49-F238E27FC236}">
-                <a16:creationId xmlns:a16="http://schemas.microsoft.com/office/drawing/2014/main" id="{CB2EE3DE-18B2-EAD0-A366-3ECD4A006484}"/>
+                <a16:creationId xmlns:a16="http://schemas.microsoft.com/office/drawing/2014/main" id="{2CA2B146-FEA1-DE05-0393-F38CCD167C03}"/>
               </a:ext>
             </a:extLst>
           </p:cNvPr>
@@ -2645,7 +2645,7 @@
           <p:cNvPr id="5" name="日期占位符 4">
             <a:extLst>
               <a:ext uri="{FF2B5EF4-FFF2-40B4-BE49-F238E27FC236}">
-                <a16:creationId xmlns:a16="http://schemas.microsoft.com/office/drawing/2014/main" id="{E87C95F8-1E2A-1EB9-CB1E-7FC4024AF7C2}"/>
+                <a16:creationId xmlns:a16="http://schemas.microsoft.com/office/drawing/2014/main" id="{0052601C-5D7A-D1AB-D2C9-8C831977BB32}"/>
               </a:ext>
             </a:extLst>
           </p:cNvPr>
@@ -2661,7 +2661,7 @@
           <a:bodyPr/>
           <a:lstStyle/>
           <a:p>
-            <a:fld id="{F9E74197-47F3-4E41-959E-7F97C0B34914}" type="datetimeFigureOut">
+            <a:fld id="{2EB0E42E-0283-4BAE-BBCB-4E823B38BC58}" type="datetimeFigureOut">
               <a:rPr lang="zh-CN" altLang="en-US" smtClean="0"/>
               <a:t>2024/3/10</a:t>
             </a:fld>
@@ -2674,7 +2674,7 @@
           <p:cNvPr id="6" name="页脚占位符 5">
             <a:extLst>
               <a:ext uri="{FF2B5EF4-FFF2-40B4-BE49-F238E27FC236}">
-                <a16:creationId xmlns:a16="http://schemas.microsoft.com/office/drawing/2014/main" id="{880D7AC5-B18D-11A0-AC8C-F1DA0E5B188D}"/>
+                <a16:creationId xmlns:a16="http://schemas.microsoft.com/office/drawing/2014/main" id="{FE17C58E-6CF1-A3DE-5C44-2E0DC3464371}"/>
               </a:ext>
             </a:extLst>
           </p:cNvPr>
@@ -2699,7 +2699,7 @@
           <p:cNvPr id="7" name="灯片编号占位符 6">
             <a:extLst>
               <a:ext uri="{FF2B5EF4-FFF2-40B4-BE49-F238E27FC236}">
-                <a16:creationId xmlns:a16="http://schemas.microsoft.com/office/drawing/2014/main" id="{78D6A9E4-C02A-B482-3D60-E888196BD0E9}"/>
+                <a16:creationId xmlns:a16="http://schemas.microsoft.com/office/drawing/2014/main" id="{25884E4D-81DD-E78E-C85B-AC2081C15281}"/>
               </a:ext>
             </a:extLst>
           </p:cNvPr>
@@ -2715,7 +2715,7 @@
           <a:bodyPr/>
           <a:lstStyle/>
           <a:p>
-            <a:fld id="{E85299C4-9A3B-4995-8889-6B17DC4391DB}" type="slidenum">
+            <a:fld id="{9B0B0DDE-F891-4892-A762-558BD01CCBE0}" type="slidenum">
               <a:rPr lang="zh-CN" altLang="en-US" smtClean="0"/>
               <a:t>‹#›</a:t>
             </a:fld>
@@ -2726,7 +2726,7 @@
     </p:spTree>
     <p:extLst>
       <p:ext uri="{BB962C8B-B14F-4D97-AF65-F5344CB8AC3E}">
-        <p14:creationId xmlns:p14="http://schemas.microsoft.com/office/powerpoint/2010/main" val="2115892386"/>
+        <p14:creationId xmlns:p14="http://schemas.microsoft.com/office/powerpoint/2010/main" val="1467525328"/>
       </p:ext>
     </p:extLst>
   </p:cSld>
@@ -2763,7 +2763,7 @@
           <p:cNvPr id="2" name="标题占位符 1">
             <a:extLst>
               <a:ext uri="{FF2B5EF4-FFF2-40B4-BE49-F238E27FC236}">
-                <a16:creationId xmlns:a16="http://schemas.microsoft.com/office/drawing/2014/main" id="{41E38D99-E7A2-FA53-FBB7-E49A42F3A9F2}"/>
+                <a16:creationId xmlns:a16="http://schemas.microsoft.com/office/drawing/2014/main" id="{D6234914-2634-D585-EB3C-103E540CBAE7}"/>
               </a:ext>
             </a:extLst>
           </p:cNvPr>
@@ -2801,7 +2801,7 @@
           <p:cNvPr id="3" name="文本占位符 2">
             <a:extLst>
               <a:ext uri="{FF2B5EF4-FFF2-40B4-BE49-F238E27FC236}">
-                <a16:creationId xmlns:a16="http://schemas.microsoft.com/office/drawing/2014/main" id="{8090424F-D3E0-6071-115F-5C659E22DC05}"/>
+                <a16:creationId xmlns:a16="http://schemas.microsoft.com/office/drawing/2014/main" id="{CB1D719E-72CD-9698-343E-DFBBE7332056}"/>
               </a:ext>
             </a:extLst>
           </p:cNvPr>
@@ -2868,7 +2868,7 @@
           <p:cNvPr id="4" name="日期占位符 3">
             <a:extLst>
               <a:ext uri="{FF2B5EF4-FFF2-40B4-BE49-F238E27FC236}">
-                <a16:creationId xmlns:a16="http://schemas.microsoft.com/office/drawing/2014/main" id="{95A35D53-4AC2-C35A-7246-DB9C11DEACCA}"/>
+                <a16:creationId xmlns:a16="http://schemas.microsoft.com/office/drawing/2014/main" id="{E6F0C628-3EA2-0487-B1BA-237EC7B5C57D}"/>
               </a:ext>
             </a:extLst>
           </p:cNvPr>
@@ -2902,7 +2902,7 @@
             </a:lvl1pPr>
           </a:lstStyle>
           <a:p>
-            <a:fld id="{F9E74197-47F3-4E41-959E-7F97C0B34914}" type="datetimeFigureOut">
+            <a:fld id="{2EB0E42E-0283-4BAE-BBCB-4E823B38BC58}" type="datetimeFigureOut">
               <a:rPr lang="zh-CN" altLang="en-US" smtClean="0"/>
               <a:t>2024/3/10</a:t>
             </a:fld>
@@ -2915,7 +2915,7 @@
           <p:cNvPr id="5" name="页脚占位符 4">
             <a:extLst>
               <a:ext uri="{FF2B5EF4-FFF2-40B4-BE49-F238E27FC236}">
-                <a16:creationId xmlns:a16="http://schemas.microsoft.com/office/drawing/2014/main" id="{470E79F8-4584-BF19-7B04-24E62B94C403}"/>
+                <a16:creationId xmlns:a16="http://schemas.microsoft.com/office/drawing/2014/main" id="{B42D59BF-5627-2562-8DE1-C27CA4335D0C}"/>
               </a:ext>
             </a:extLst>
           </p:cNvPr>
@@ -2958,7 +2958,7 @@
           <p:cNvPr id="6" name="灯片编号占位符 5">
             <a:extLst>
               <a:ext uri="{FF2B5EF4-FFF2-40B4-BE49-F238E27FC236}">
-                <a16:creationId xmlns:a16="http://schemas.microsoft.com/office/drawing/2014/main" id="{8852C245-FD03-8CC2-95AB-F02D154BEA9A}"/>
+                <a16:creationId xmlns:a16="http://schemas.microsoft.com/office/drawing/2014/main" id="{6652030D-FD73-26BF-1AEE-449ED3872D57}"/>
               </a:ext>
             </a:extLst>
           </p:cNvPr>
@@ -2992,7 +2992,7 @@
             </a:lvl1pPr>
           </a:lstStyle>
           <a:p>
-            <a:fld id="{E85299C4-9A3B-4995-8889-6B17DC4391DB}" type="slidenum">
+            <a:fld id="{9B0B0DDE-F891-4892-A762-558BD01CCBE0}" type="slidenum">
               <a:rPr lang="zh-CN" altLang="en-US" smtClean="0"/>
               <a:t>‹#›</a:t>
             </a:fld>
@@ -3003,7 +3003,7 @@
     </p:spTree>
     <p:extLst>
       <p:ext uri="{BB962C8B-B14F-4D97-AF65-F5344CB8AC3E}">
-        <p14:creationId xmlns:p14="http://schemas.microsoft.com/office/powerpoint/2010/main" val="3834694171"/>
+        <p14:creationId xmlns:p14="http://schemas.microsoft.com/office/powerpoint/2010/main" val="1539733240"/>
       </p:ext>
     </p:extLst>
   </p:cSld>
@@ -3323,7 +3323,7 @@
       </p:grpSpPr>
       <p:pic>
         <p:nvPicPr>
-          <p:cNvPr id="356354" name="Picture 2" descr="347"/>
+          <p:cNvPr id="357378" name="Picture 2" descr="348"/>
           <p:cNvPicPr>
             <a:picLocks noChangeAspect="1" noChangeArrowheads="1"/>
           </p:cNvPicPr>
@@ -3345,7 +3345,7 @@
         <p:spPr bwMode="auto">
           <a:xfrm>
             <a:off x="1524000" y="0"/>
-            <a:ext cx="9144000" cy="6858000"/>
+            <a:ext cx="9144000" cy="5949950"/>
           </a:xfrm>
           <a:prstGeom prst="rect">
             <a:avLst/>
@@ -3375,11 +3375,158 @@
           </a:extLst>
         </p:spPr>
       </p:pic>
+      <p:pic>
+        <p:nvPicPr>
+          <p:cNvPr id="358403" name="Picture 3" descr="348-2"/>
+          <p:cNvPicPr>
+            <a:picLocks noChangeAspect="1" noChangeArrowheads="1"/>
+          </p:cNvPicPr>
+          <p:nvPr/>
+        </p:nvPicPr>
+        <p:blipFill>
+          <a:blip r:embed="rId3">
+            <a:extLst>
+              <a:ext uri="{28A0092B-C50C-407E-A947-70E740481C1C}">
+                <a14:useLocalDpi xmlns:a14="http://schemas.microsoft.com/office/drawing/2010/main" val="0"/>
+              </a:ext>
+            </a:extLst>
+          </a:blip>
+          <a:srcRect/>
+          <a:stretch>
+            <a:fillRect/>
+          </a:stretch>
+        </p:blipFill>
+        <p:spPr bwMode="auto">
+          <a:xfrm>
+            <a:off x="1524000" y="1589"/>
+            <a:ext cx="9144000" cy="6524625"/>
+          </a:xfrm>
+          <a:prstGeom prst="rect">
+            <a:avLst/>
+          </a:prstGeom>
+          <a:noFill/>
+          <a:ln>
+            <a:noFill/>
+          </a:ln>
+          <a:effectLst/>
+          <a:extLst>
+            <a:ext uri="{909E8E84-426E-40DD-AFC4-6F175D3DCCD1}">
+              <a14:hiddenFill xmlns:a14="http://schemas.microsoft.com/office/drawing/2010/main">
+                <a:solidFill>
+                  <a:srgbClr val="FFFFFF"/>
+                </a:solidFill>
+              </a14:hiddenFill>
+            </a:ext>
+            <a:ext uri="{91240B29-F687-4F45-9708-019B960494DF}">
+              <a14:hiddenLine xmlns:a14="http://schemas.microsoft.com/office/drawing/2010/main" w="9525">
+                <a:solidFill>
+                  <a:srgbClr val="000000"/>
+                </a:solidFill>
+                <a:miter lim="800000"/>
+                <a:headEnd/>
+                <a:tailEnd/>
+              </a14:hiddenLine>
+            </a:ext>
+            <a:ext uri="{AF507438-7753-43E0-B8FC-AC1667EBCBE1}">
+              <a14:hiddenEffects xmlns:a14="http://schemas.microsoft.com/office/drawing/2010/main">
+                <a:effectLst>
+                  <a:outerShdw dist="35921" dir="2700000" algn="ctr" rotWithShape="0">
+                    <a:srgbClr val="808080"/>
+                  </a:outerShdw>
+                </a:effectLst>
+              </a14:hiddenEffects>
+            </a:ext>
+          </a:extLst>
+        </p:spPr>
+      </p:pic>
     </p:spTree>
   </p:cSld>
   <p:clrMapOvr>
     <a:masterClrMapping/>
   </p:clrMapOvr>
+  <p:timing>
+    <p:tnLst>
+      <p:par>
+        <p:cTn id="1" dur="indefinite" restart="never" nodeType="tmRoot">
+          <p:childTnLst>
+            <p:seq concurrent="1" nextAc="seek">
+              <p:cTn id="2" dur="indefinite" nodeType="mainSeq">
+                <p:childTnLst>
+                  <p:par>
+                    <p:cTn id="3" fill="hold" nodeType="clickPar">
+                      <p:stCondLst>
+                        <p:cond delay="indefinite"/>
+                      </p:stCondLst>
+                      <p:childTnLst>
+                        <p:par>
+                          <p:cTn id="4" fill="hold" nodeType="withGroup">
+                            <p:stCondLst>
+                              <p:cond delay="0"/>
+                            </p:stCondLst>
+                            <p:childTnLst>
+                              <p:par>
+                                <p:cTn id="5" presetID="10" presetClass="entr" presetSubtype="0" fill="hold" nodeType="clickEffect">
+                                  <p:stCondLst>
+                                    <p:cond delay="0"/>
+                                  </p:stCondLst>
+                                  <p:childTnLst>
+                                    <p:set>
+                                      <p:cBhvr>
+                                        <p:cTn id="6" dur="1" fill="hold">
+                                          <p:stCondLst>
+                                            <p:cond delay="0"/>
+                                          </p:stCondLst>
+                                        </p:cTn>
+                                        <p:tgtEl>
+                                          <p:spTgt spid="358403"/>
+                                        </p:tgtEl>
+                                        <p:attrNameLst>
+                                          <p:attrName>style.visibility</p:attrName>
+                                        </p:attrNameLst>
+                                      </p:cBhvr>
+                                      <p:to>
+                                        <p:strVal val="visible"/>
+                                      </p:to>
+                                    </p:set>
+                                    <p:animEffect transition="in" filter="fade">
+                                      <p:cBhvr>
+                                        <p:cTn id="7" dur="500"/>
+                                        <p:tgtEl>
+                                          <p:spTgt spid="358403"/>
+                                        </p:tgtEl>
+                                      </p:cBhvr>
+                                    </p:animEffect>
+                                  </p:childTnLst>
+                                </p:cTn>
+                              </p:par>
+                            </p:childTnLst>
+                          </p:cTn>
+                        </p:par>
+                      </p:childTnLst>
+                    </p:cTn>
+                  </p:par>
+                </p:childTnLst>
+              </p:cTn>
+              <p:prevCondLst>
+                <p:cond evt="onPrev" delay="0">
+                  <p:tgtEl>
+                    <p:sldTgt/>
+                  </p:tgtEl>
+                </p:cond>
+              </p:prevCondLst>
+              <p:nextCondLst>
+                <p:cond evt="onNext" delay="0">
+                  <p:tgtEl>
+                    <p:sldTgt/>
+                  </p:tgtEl>
+                </p:cond>
+              </p:nextCondLst>
+            </p:seq>
+          </p:childTnLst>
+        </p:cTn>
+      </p:par>
+    </p:tnLst>
+  </p:timing>
 </p:sld>
 </file>
 
